--- a/Dollar Van Talk.pptx
+++ b/Dollar Van Talk.pptx
@@ -12,8 +12,8 @@
     <p:sldId id="271" r:id="rId3"/>
     <p:sldId id="267" r:id="rId4"/>
     <p:sldId id="272" r:id="rId5"/>
-    <p:sldId id="269" r:id="rId6"/>
-    <p:sldId id="270" r:id="rId7"/>
+    <p:sldId id="270" r:id="rId6"/>
+    <p:sldId id="269" r:id="rId7"/>
     <p:sldId id="259" r:id="rId8"/>
     <p:sldId id="258" r:id="rId9"/>
     <p:sldId id="257" r:id="rId10"/>
@@ -22,7 +22,7 @@
     <p:sldId id="261" r:id="rId13"/>
     <p:sldId id="264" r:id="rId14"/>
     <p:sldId id="263" r:id="rId15"/>
-    <p:sldId id="276" r:id="rId16"/>
+    <p:sldId id="277" r:id="rId16"/>
     <p:sldId id="275" r:id="rId17"/>
     <p:sldId id="274" r:id="rId18"/>
   </p:sldIdLst>
@@ -224,7 +224,7 @@
           <a:p>
             <a:fld id="{E48B035D-FFE1-49B4-A535-88A036596CF0}" type="datetimeFigureOut">
               <a:rPr lang="en-US" smtClean="0"/>
-              <a:t>3/22/2016</a:t>
+              <a:t>3/24/2016</a:t>
             </a:fld>
             <a:endParaRPr lang="en-US"/>
           </a:p>
@@ -536,9 +536,18 @@
           <a:lstStyle/>
           <a:p>
             <a:r>
-              <a:rPr lang="en-US" dirty="0"/>
-              <a:t>100,000 passengers a day. </a:t>
-            </a:r>
+              <a:rPr lang="en-US" sz="1200" b="0" i="0" kern="1200" dirty="0" smtClean="0">
+                <a:solidFill>
+                  <a:schemeClr val="tx1"/>
+                </a:solidFill>
+                <a:effectLst/>
+                <a:latin typeface="+mn-lt"/>
+                <a:ea typeface="+mn-ea"/>
+                <a:cs typeface="+mn-cs"/>
+              </a:rPr>
+              <a:t>NY has  comprehensive transit network that we all love and use. Well, maybe not love. At least not the subway on the weekend. Transit ridership is the highest in NYC metro area and twice as much as its nearest competitor. Yet, an informal transport service has been serving communities in NY.</a:t>
+            </a:r>
+            <a:endParaRPr lang="en-US" dirty="0"/>
           </a:p>
         </p:txBody>
       </p:sp>
@@ -559,7 +568,7 @@
           <a:p>
             <a:fld id="{67576521-698A-41CD-9D8D-AE7CE53232A3}" type="slidenum">
               <a:rPr lang="en-US" smtClean="0"/>
-              <a:t>3</a:t>
+              <a:t>1</a:t>
             </a:fld>
             <a:endParaRPr lang="en-US"/>
           </a:p>
@@ -568,7 +577,758 @@
     </p:spTree>
     <p:extLst>
       <p:ext uri="{BB962C8B-B14F-4D97-AF65-F5344CB8AC3E}">
-        <p14:creationId xmlns:p14="http://schemas.microsoft.com/office/powerpoint/2010/main" val="2571956375"/>
+        <p14:creationId xmlns:p14="http://schemas.microsoft.com/office/powerpoint/2010/main" val="206773219"/>
+      </p:ext>
+    </p:extLst>
+  </p:cSld>
+  <p:clrMapOvr>
+    <a:masterClrMapping/>
+  </p:clrMapOvr>
+</p:notes>
+</file>
+
+<file path=ppt/notesSlides/notesSlide10.xml><?xml version="1.0" encoding="utf-8"?>
+<p:notes xmlns:a="http://schemas.openxmlformats.org/drawingml/2006/main" xmlns:r="http://schemas.openxmlformats.org/officeDocument/2006/relationships" xmlns:p="http://schemas.openxmlformats.org/presentationml/2006/main">
+  <p:cSld>
+    <p:spTree>
+      <p:nvGrpSpPr>
+        <p:cNvPr id="1" name=""/>
+        <p:cNvGrpSpPr/>
+        <p:nvPr/>
+      </p:nvGrpSpPr>
+      <p:grpSpPr>
+        <a:xfrm>
+          <a:off x="0" y="0"/>
+          <a:ext cx="0" cy="0"/>
+          <a:chOff x="0" y="0"/>
+          <a:chExt cx="0" cy="0"/>
+        </a:xfrm>
+      </p:grpSpPr>
+      <p:sp>
+        <p:nvSpPr>
+          <p:cNvPr id="2" name="Slide Image Placeholder 1"/>
+          <p:cNvSpPr>
+            <a:spLocks noGrp="1" noRot="1" noChangeAspect="1"/>
+          </p:cNvSpPr>
+          <p:nvPr>
+            <p:ph type="sldImg"/>
+          </p:nvPr>
+        </p:nvSpPr>
+        <p:spPr/>
+      </p:sp>
+      <p:sp>
+        <p:nvSpPr>
+          <p:cNvPr id="3" name="Notes Placeholder 2"/>
+          <p:cNvSpPr>
+            <a:spLocks noGrp="1"/>
+          </p:cNvSpPr>
+          <p:nvPr>
+            <p:ph type="body" idx="1"/>
+          </p:nvPr>
+        </p:nvSpPr>
+        <p:spPr/>
+        <p:txBody>
+          <a:bodyPr/>
+          <a:lstStyle/>
+          <a:p>
+            <a:r>
+              <a:rPr lang="en-US" dirty="0"/>
+              <a:t>Open Trip</a:t>
+            </a:r>
+            <a:r>
+              <a:rPr lang="en-US" baseline="0" dirty="0"/>
+              <a:t> </a:t>
+            </a:r>
+            <a:r>
+              <a:rPr lang="en-US" baseline="0" dirty="0" smtClean="0"/>
+              <a:t>Planner is an open source package that accounts for street layouts and all public transit in a detailed way.</a:t>
+            </a:r>
+          </a:p>
+          <a:p>
+            <a:r>
+              <a:rPr lang="en-US" baseline="0" dirty="0" smtClean="0"/>
+              <a:t>LEDH LODES tells us where people are commuting to and where they live</a:t>
+            </a:r>
+          </a:p>
+          <a:p>
+            <a:r>
+              <a:rPr lang="en-US" baseline="0" dirty="0" smtClean="0"/>
+              <a:t>We created weighted averages for every person in every tract measuring how long they commute without dollar vans.</a:t>
+            </a:r>
+          </a:p>
+        </p:txBody>
+      </p:sp>
+      <p:sp>
+        <p:nvSpPr>
+          <p:cNvPr id="4" name="Slide Number Placeholder 3"/>
+          <p:cNvSpPr>
+            <a:spLocks noGrp="1"/>
+          </p:cNvSpPr>
+          <p:nvPr>
+            <p:ph type="sldNum" sz="quarter" idx="10"/>
+          </p:nvPr>
+        </p:nvSpPr>
+        <p:spPr/>
+        <p:txBody>
+          <a:bodyPr/>
+          <a:lstStyle/>
+          <a:p>
+            <a:fld id="{67576521-698A-41CD-9D8D-AE7CE53232A3}" type="slidenum">
+              <a:rPr lang="en-US" smtClean="0"/>
+              <a:t>10</a:t>
+            </a:fld>
+            <a:endParaRPr lang="en-US"/>
+          </a:p>
+        </p:txBody>
+      </p:sp>
+    </p:spTree>
+    <p:extLst>
+      <p:ext uri="{BB962C8B-B14F-4D97-AF65-F5344CB8AC3E}">
+        <p14:creationId xmlns:p14="http://schemas.microsoft.com/office/powerpoint/2010/main" val="2894774453"/>
+      </p:ext>
+    </p:extLst>
+  </p:cSld>
+  <p:clrMapOvr>
+    <a:masterClrMapping/>
+  </p:clrMapOvr>
+</p:notes>
+</file>
+
+<file path=ppt/notesSlides/notesSlide11.xml><?xml version="1.0" encoding="utf-8"?>
+<p:notes xmlns:a="http://schemas.openxmlformats.org/drawingml/2006/main" xmlns:r="http://schemas.openxmlformats.org/officeDocument/2006/relationships" xmlns:p="http://schemas.openxmlformats.org/presentationml/2006/main">
+  <p:cSld>
+    <p:spTree>
+      <p:nvGrpSpPr>
+        <p:cNvPr id="1" name=""/>
+        <p:cNvGrpSpPr/>
+        <p:nvPr/>
+      </p:nvGrpSpPr>
+      <p:grpSpPr>
+        <a:xfrm>
+          <a:off x="0" y="0"/>
+          <a:ext cx="0" cy="0"/>
+          <a:chOff x="0" y="0"/>
+          <a:chExt cx="0" cy="0"/>
+        </a:xfrm>
+      </p:grpSpPr>
+      <p:sp>
+        <p:nvSpPr>
+          <p:cNvPr id="2" name="Slide Image Placeholder 1"/>
+          <p:cNvSpPr>
+            <a:spLocks noGrp="1" noRot="1" noChangeAspect="1"/>
+          </p:cNvSpPr>
+          <p:nvPr>
+            <p:ph type="sldImg"/>
+          </p:nvPr>
+        </p:nvSpPr>
+        <p:spPr/>
+      </p:sp>
+      <p:sp>
+        <p:nvSpPr>
+          <p:cNvPr id="3" name="Notes Placeholder 2"/>
+          <p:cNvSpPr>
+            <a:spLocks noGrp="1"/>
+          </p:cNvSpPr>
+          <p:nvPr>
+            <p:ph type="body" idx="1"/>
+          </p:nvPr>
+        </p:nvSpPr>
+        <p:spPr/>
+        <p:txBody>
+          <a:bodyPr/>
+          <a:lstStyle/>
+          <a:p>
+            <a:r>
+              <a:rPr lang="en-US" dirty="0" smtClean="0"/>
+              <a:t>We used SVM to select salient features</a:t>
+            </a:r>
+          </a:p>
+          <a:p>
+            <a:r>
+              <a:rPr lang="en-US" dirty="0" smtClean="0"/>
+              <a:t>We also used SVM to create a model of tracts that could</a:t>
+            </a:r>
+            <a:r>
+              <a:rPr lang="en-US" baseline="0" dirty="0" smtClean="0"/>
+              <a:t> pick out a census tracts with these salient features</a:t>
+            </a:r>
+            <a:endParaRPr lang="en-US" dirty="0"/>
+          </a:p>
+        </p:txBody>
+      </p:sp>
+      <p:sp>
+        <p:nvSpPr>
+          <p:cNvPr id="4" name="Slide Number Placeholder 3"/>
+          <p:cNvSpPr>
+            <a:spLocks noGrp="1"/>
+          </p:cNvSpPr>
+          <p:nvPr>
+            <p:ph type="sldNum" sz="quarter" idx="10"/>
+          </p:nvPr>
+        </p:nvSpPr>
+        <p:spPr/>
+        <p:txBody>
+          <a:bodyPr/>
+          <a:lstStyle/>
+          <a:p>
+            <a:fld id="{67576521-698A-41CD-9D8D-AE7CE53232A3}" type="slidenum">
+              <a:rPr lang="en-US" smtClean="0"/>
+              <a:t>11</a:t>
+            </a:fld>
+            <a:endParaRPr lang="en-US"/>
+          </a:p>
+        </p:txBody>
+      </p:sp>
+    </p:spTree>
+    <p:extLst>
+      <p:ext uri="{BB962C8B-B14F-4D97-AF65-F5344CB8AC3E}">
+        <p14:creationId xmlns:p14="http://schemas.microsoft.com/office/powerpoint/2010/main" val="259115347"/>
+      </p:ext>
+    </p:extLst>
+  </p:cSld>
+  <p:clrMapOvr>
+    <a:masterClrMapping/>
+  </p:clrMapOvr>
+</p:notes>
+</file>
+
+<file path=ppt/notesSlides/notesSlide12.xml><?xml version="1.0" encoding="utf-8"?>
+<p:notes xmlns:a="http://schemas.openxmlformats.org/drawingml/2006/main" xmlns:r="http://schemas.openxmlformats.org/officeDocument/2006/relationships" xmlns:p="http://schemas.openxmlformats.org/presentationml/2006/main">
+  <p:cSld>
+    <p:spTree>
+      <p:nvGrpSpPr>
+        <p:cNvPr id="1" name=""/>
+        <p:cNvGrpSpPr/>
+        <p:nvPr/>
+      </p:nvGrpSpPr>
+      <p:grpSpPr>
+        <a:xfrm>
+          <a:off x="0" y="0"/>
+          <a:ext cx="0" cy="0"/>
+          <a:chOff x="0" y="0"/>
+          <a:chExt cx="0" cy="0"/>
+        </a:xfrm>
+      </p:grpSpPr>
+      <p:sp>
+        <p:nvSpPr>
+          <p:cNvPr id="2" name="Slide Image Placeholder 1"/>
+          <p:cNvSpPr>
+            <a:spLocks noGrp="1" noRot="1" noChangeAspect="1"/>
+          </p:cNvSpPr>
+          <p:nvPr>
+            <p:ph type="sldImg"/>
+          </p:nvPr>
+        </p:nvSpPr>
+        <p:spPr/>
+      </p:sp>
+      <p:sp>
+        <p:nvSpPr>
+          <p:cNvPr id="3" name="Notes Placeholder 2"/>
+          <p:cNvSpPr>
+            <a:spLocks noGrp="1"/>
+          </p:cNvSpPr>
+          <p:nvPr>
+            <p:ph type="body" idx="1"/>
+          </p:nvPr>
+        </p:nvSpPr>
+        <p:spPr/>
+        <p:txBody>
+          <a:bodyPr/>
+          <a:lstStyle/>
+          <a:p>
+            <a:r>
+              <a:rPr lang="en-US" dirty="0"/>
+              <a:t>Riders are not a Monolith, they very by ‘line’</a:t>
+            </a:r>
+          </a:p>
+          <a:p>
+            <a:endParaRPr lang="en-US" dirty="0"/>
+          </a:p>
+          <a:p>
+            <a:r>
+              <a:rPr lang="en-US" dirty="0"/>
+              <a:t>Chinatown served cultural ties</a:t>
+            </a:r>
+          </a:p>
+          <a:p>
+            <a:endParaRPr lang="en-US" dirty="0"/>
+          </a:p>
+          <a:p>
+            <a:r>
+              <a:rPr lang="en-US" dirty="0"/>
+              <a:t>Flatbush and East New York lines served as economic lifelines</a:t>
+            </a:r>
+          </a:p>
+          <a:p>
+            <a:endParaRPr lang="en-US" dirty="0"/>
+          </a:p>
+        </p:txBody>
+      </p:sp>
+      <p:sp>
+        <p:nvSpPr>
+          <p:cNvPr id="4" name="Slide Number Placeholder 3"/>
+          <p:cNvSpPr>
+            <a:spLocks noGrp="1"/>
+          </p:cNvSpPr>
+          <p:nvPr>
+            <p:ph type="sldNum" sz="quarter" idx="10"/>
+          </p:nvPr>
+        </p:nvSpPr>
+        <p:spPr/>
+        <p:txBody>
+          <a:bodyPr/>
+          <a:lstStyle/>
+          <a:p>
+            <a:fld id="{67576521-698A-41CD-9D8D-AE7CE53232A3}" type="slidenum">
+              <a:rPr lang="en-US" smtClean="0"/>
+              <a:t>12</a:t>
+            </a:fld>
+            <a:endParaRPr lang="en-US"/>
+          </a:p>
+        </p:txBody>
+      </p:sp>
+    </p:spTree>
+    <p:extLst>
+      <p:ext uri="{BB962C8B-B14F-4D97-AF65-F5344CB8AC3E}">
+        <p14:creationId xmlns:p14="http://schemas.microsoft.com/office/powerpoint/2010/main" val="22584304"/>
+      </p:ext>
+    </p:extLst>
+  </p:cSld>
+  <p:clrMapOvr>
+    <a:masterClrMapping/>
+  </p:clrMapOvr>
+</p:notes>
+</file>
+
+<file path=ppt/notesSlides/notesSlide13.xml><?xml version="1.0" encoding="utf-8"?>
+<p:notes xmlns:a="http://schemas.openxmlformats.org/drawingml/2006/main" xmlns:r="http://schemas.openxmlformats.org/officeDocument/2006/relationships" xmlns:p="http://schemas.openxmlformats.org/presentationml/2006/main">
+  <p:cSld>
+    <p:spTree>
+      <p:nvGrpSpPr>
+        <p:cNvPr id="1" name=""/>
+        <p:cNvGrpSpPr/>
+        <p:nvPr/>
+      </p:nvGrpSpPr>
+      <p:grpSpPr>
+        <a:xfrm>
+          <a:off x="0" y="0"/>
+          <a:ext cx="0" cy="0"/>
+          <a:chOff x="0" y="0"/>
+          <a:chExt cx="0" cy="0"/>
+        </a:xfrm>
+      </p:grpSpPr>
+      <p:sp>
+        <p:nvSpPr>
+          <p:cNvPr id="2" name="Slide Image Placeholder 1"/>
+          <p:cNvSpPr>
+            <a:spLocks noGrp="1" noRot="1" noChangeAspect="1"/>
+          </p:cNvSpPr>
+          <p:nvPr>
+            <p:ph type="sldImg"/>
+          </p:nvPr>
+        </p:nvSpPr>
+        <p:spPr/>
+      </p:sp>
+      <p:sp>
+        <p:nvSpPr>
+          <p:cNvPr id="3" name="Notes Placeholder 2"/>
+          <p:cNvSpPr>
+            <a:spLocks noGrp="1"/>
+          </p:cNvSpPr>
+          <p:nvPr>
+            <p:ph type="body" idx="1"/>
+          </p:nvPr>
+        </p:nvSpPr>
+        <p:spPr/>
+        <p:txBody>
+          <a:bodyPr/>
+          <a:lstStyle/>
+          <a:p>
+            <a:r>
+              <a:rPr lang="en-US" dirty="0" smtClean="0"/>
+              <a:t>Red are</a:t>
+            </a:r>
+            <a:r>
+              <a:rPr lang="en-US" baseline="0" dirty="0" smtClean="0"/>
+              <a:t> tracts that are similar to those with dollar vans</a:t>
+            </a:r>
+            <a:endParaRPr lang="en-US" dirty="0"/>
+          </a:p>
+        </p:txBody>
+      </p:sp>
+      <p:sp>
+        <p:nvSpPr>
+          <p:cNvPr id="4" name="Slide Number Placeholder 3"/>
+          <p:cNvSpPr>
+            <a:spLocks noGrp="1"/>
+          </p:cNvSpPr>
+          <p:nvPr>
+            <p:ph type="sldNum" sz="quarter" idx="10"/>
+          </p:nvPr>
+        </p:nvSpPr>
+        <p:spPr/>
+        <p:txBody>
+          <a:bodyPr/>
+          <a:lstStyle/>
+          <a:p>
+            <a:fld id="{67576521-698A-41CD-9D8D-AE7CE53232A3}" type="slidenum">
+              <a:rPr lang="en-US" smtClean="0"/>
+              <a:t>13</a:t>
+            </a:fld>
+            <a:endParaRPr lang="en-US"/>
+          </a:p>
+        </p:txBody>
+      </p:sp>
+    </p:spTree>
+    <p:extLst>
+      <p:ext uri="{BB962C8B-B14F-4D97-AF65-F5344CB8AC3E}">
+        <p14:creationId xmlns:p14="http://schemas.microsoft.com/office/powerpoint/2010/main" val="3519053123"/>
+      </p:ext>
+    </p:extLst>
+  </p:cSld>
+  <p:clrMapOvr>
+    <a:masterClrMapping/>
+  </p:clrMapOvr>
+</p:notes>
+</file>
+
+<file path=ppt/notesSlides/notesSlide14.xml><?xml version="1.0" encoding="utf-8"?>
+<p:notes xmlns:a="http://schemas.openxmlformats.org/drawingml/2006/main" xmlns:r="http://schemas.openxmlformats.org/officeDocument/2006/relationships" xmlns:p="http://schemas.openxmlformats.org/presentationml/2006/main">
+  <p:cSld>
+    <p:spTree>
+      <p:nvGrpSpPr>
+        <p:cNvPr id="1" name=""/>
+        <p:cNvGrpSpPr/>
+        <p:nvPr/>
+      </p:nvGrpSpPr>
+      <p:grpSpPr>
+        <a:xfrm>
+          <a:off x="0" y="0"/>
+          <a:ext cx="0" cy="0"/>
+          <a:chOff x="0" y="0"/>
+          <a:chExt cx="0" cy="0"/>
+        </a:xfrm>
+      </p:grpSpPr>
+      <p:sp>
+        <p:nvSpPr>
+          <p:cNvPr id="2" name="Slide Image Placeholder 1"/>
+          <p:cNvSpPr>
+            <a:spLocks noGrp="1" noRot="1" noChangeAspect="1"/>
+          </p:cNvSpPr>
+          <p:nvPr>
+            <p:ph type="sldImg"/>
+          </p:nvPr>
+        </p:nvSpPr>
+        <p:spPr/>
+      </p:sp>
+      <p:sp>
+        <p:nvSpPr>
+          <p:cNvPr id="3" name="Notes Placeholder 2"/>
+          <p:cNvSpPr>
+            <a:spLocks noGrp="1"/>
+          </p:cNvSpPr>
+          <p:nvPr>
+            <p:ph type="body" idx="1"/>
+          </p:nvPr>
+        </p:nvSpPr>
+        <p:spPr/>
+        <p:txBody>
+          <a:bodyPr/>
+          <a:lstStyle/>
+          <a:p>
+            <a:r>
+              <a:rPr lang="en-US" dirty="0" smtClean="0"/>
+              <a:t>DOT and TLC are the regulators</a:t>
+            </a:r>
+          </a:p>
+          <a:p>
+            <a:r>
+              <a:rPr lang="en-US" dirty="0" smtClean="0"/>
+              <a:t>They need to use context in their</a:t>
+            </a:r>
+            <a:r>
+              <a:rPr lang="en-US" baseline="0" dirty="0" smtClean="0"/>
+              <a:t> permitting decisions </a:t>
+            </a:r>
+            <a:endParaRPr lang="en-US" dirty="0" smtClean="0"/>
+          </a:p>
+          <a:p>
+            <a:endParaRPr lang="en-US" dirty="0"/>
+          </a:p>
+          <a:p>
+            <a:r>
+              <a:rPr lang="en-US" dirty="0" smtClean="0"/>
+              <a:t>The </a:t>
+            </a:r>
+            <a:r>
+              <a:rPr lang="en-US" dirty="0"/>
+              <a:t>MTA is not well placed to create ‘cultural’ van </a:t>
+            </a:r>
+            <a:r>
+              <a:rPr lang="en-US" dirty="0" smtClean="0"/>
+              <a:t>lines</a:t>
+            </a:r>
+            <a:endParaRPr lang="en-US" dirty="0"/>
+          </a:p>
+          <a:p>
+            <a:r>
+              <a:rPr lang="en-US" dirty="0"/>
+              <a:t>The MTA should see the outer borough lines as a need for more formal </a:t>
+            </a:r>
+            <a:r>
+              <a:rPr lang="en-US" dirty="0" smtClean="0"/>
+              <a:t>investment</a:t>
+            </a:r>
+            <a:endParaRPr lang="en-US" dirty="0"/>
+          </a:p>
+          <a:p>
+            <a:r>
+              <a:rPr lang="en-US" dirty="0"/>
+              <a:t>Both are serving vital functions and have their place in the </a:t>
+            </a:r>
+            <a:r>
+              <a:rPr lang="en-US" dirty="0" smtClean="0"/>
+              <a:t>ecosystem</a:t>
+            </a:r>
+          </a:p>
+          <a:p>
+            <a:endParaRPr lang="en-US" dirty="0"/>
+          </a:p>
+          <a:p>
+            <a:endParaRPr lang="en-US" dirty="0"/>
+          </a:p>
+        </p:txBody>
+      </p:sp>
+      <p:sp>
+        <p:nvSpPr>
+          <p:cNvPr id="4" name="Slide Number Placeholder 3"/>
+          <p:cNvSpPr>
+            <a:spLocks noGrp="1"/>
+          </p:cNvSpPr>
+          <p:nvPr>
+            <p:ph type="sldNum" sz="quarter" idx="10"/>
+          </p:nvPr>
+        </p:nvSpPr>
+        <p:spPr/>
+        <p:txBody>
+          <a:bodyPr/>
+          <a:lstStyle/>
+          <a:p>
+            <a:fld id="{67576521-698A-41CD-9D8D-AE7CE53232A3}" type="slidenum">
+              <a:rPr lang="en-US" smtClean="0"/>
+              <a:t>14</a:t>
+            </a:fld>
+            <a:endParaRPr lang="en-US"/>
+          </a:p>
+        </p:txBody>
+      </p:sp>
+    </p:spTree>
+    <p:extLst>
+      <p:ext uri="{BB962C8B-B14F-4D97-AF65-F5344CB8AC3E}">
+        <p14:creationId xmlns:p14="http://schemas.microsoft.com/office/powerpoint/2010/main" val="2804991105"/>
+      </p:ext>
+    </p:extLst>
+  </p:cSld>
+  <p:clrMapOvr>
+    <a:masterClrMapping/>
+  </p:clrMapOvr>
+</p:notes>
+</file>
+
+<file path=ppt/notesSlides/notesSlide15.xml><?xml version="1.0" encoding="utf-8"?>
+<p:notes xmlns:a="http://schemas.openxmlformats.org/drawingml/2006/main" xmlns:r="http://schemas.openxmlformats.org/officeDocument/2006/relationships" xmlns:p="http://schemas.openxmlformats.org/presentationml/2006/main">
+  <p:cSld>
+    <p:spTree>
+      <p:nvGrpSpPr>
+        <p:cNvPr id="1" name=""/>
+        <p:cNvGrpSpPr/>
+        <p:nvPr/>
+      </p:nvGrpSpPr>
+      <p:grpSpPr>
+        <a:xfrm>
+          <a:off x="0" y="0"/>
+          <a:ext cx="0" cy="0"/>
+          <a:chOff x="0" y="0"/>
+          <a:chExt cx="0" cy="0"/>
+        </a:xfrm>
+      </p:grpSpPr>
+      <p:sp>
+        <p:nvSpPr>
+          <p:cNvPr id="2" name="Slide Image Placeholder 1"/>
+          <p:cNvSpPr>
+            <a:spLocks noGrp="1" noRot="1" noChangeAspect="1"/>
+          </p:cNvSpPr>
+          <p:nvPr>
+            <p:ph type="sldImg"/>
+          </p:nvPr>
+        </p:nvSpPr>
+        <p:spPr/>
+      </p:sp>
+      <p:sp>
+        <p:nvSpPr>
+          <p:cNvPr id="3" name="Notes Placeholder 2"/>
+          <p:cNvSpPr>
+            <a:spLocks noGrp="1"/>
+          </p:cNvSpPr>
+          <p:nvPr>
+            <p:ph type="body" idx="1"/>
+          </p:nvPr>
+        </p:nvSpPr>
+        <p:spPr/>
+        <p:txBody>
+          <a:bodyPr/>
+          <a:lstStyle/>
+          <a:p>
+            <a:r>
+              <a:rPr lang="en-US" dirty="0" smtClean="0"/>
+              <a:t>Create a tool for TLC/DOT </a:t>
+            </a:r>
+          </a:p>
+          <a:p>
+            <a:r>
+              <a:rPr lang="en-US" dirty="0" smtClean="0"/>
+              <a:t>Invest in infrastructure in East New York and where our predicative model says their could be dollar van demand</a:t>
+            </a:r>
+            <a:endParaRPr lang="en-US" dirty="0"/>
+          </a:p>
+        </p:txBody>
+      </p:sp>
+      <p:sp>
+        <p:nvSpPr>
+          <p:cNvPr id="4" name="Slide Number Placeholder 3"/>
+          <p:cNvSpPr>
+            <a:spLocks noGrp="1"/>
+          </p:cNvSpPr>
+          <p:nvPr>
+            <p:ph type="sldNum" sz="quarter" idx="10"/>
+          </p:nvPr>
+        </p:nvSpPr>
+        <p:spPr/>
+        <p:txBody>
+          <a:bodyPr/>
+          <a:lstStyle/>
+          <a:p>
+            <a:fld id="{67576521-698A-41CD-9D8D-AE7CE53232A3}" type="slidenum">
+              <a:rPr lang="en-US" smtClean="0"/>
+              <a:t>15</a:t>
+            </a:fld>
+            <a:endParaRPr lang="en-US"/>
+          </a:p>
+        </p:txBody>
+      </p:sp>
+    </p:spTree>
+    <p:extLst>
+      <p:ext uri="{BB962C8B-B14F-4D97-AF65-F5344CB8AC3E}">
+        <p14:creationId xmlns:p14="http://schemas.microsoft.com/office/powerpoint/2010/main" val="1289558478"/>
+      </p:ext>
+    </p:extLst>
+  </p:cSld>
+  <p:clrMapOvr>
+    <a:masterClrMapping/>
+  </p:clrMapOvr>
+</p:notes>
+</file>
+
+<file path=ppt/notesSlides/notesSlide16.xml><?xml version="1.0" encoding="utf-8"?>
+<p:notes xmlns:a="http://schemas.openxmlformats.org/drawingml/2006/main" xmlns:r="http://schemas.openxmlformats.org/officeDocument/2006/relationships" xmlns:p="http://schemas.openxmlformats.org/presentationml/2006/main">
+  <p:cSld>
+    <p:spTree>
+      <p:nvGrpSpPr>
+        <p:cNvPr id="1" name=""/>
+        <p:cNvGrpSpPr/>
+        <p:nvPr/>
+      </p:nvGrpSpPr>
+      <p:grpSpPr>
+        <a:xfrm>
+          <a:off x="0" y="0"/>
+          <a:ext cx="0" cy="0"/>
+          <a:chOff x="0" y="0"/>
+          <a:chExt cx="0" cy="0"/>
+        </a:xfrm>
+      </p:grpSpPr>
+      <p:sp>
+        <p:nvSpPr>
+          <p:cNvPr id="2" name="Slide Image Placeholder 1"/>
+          <p:cNvSpPr>
+            <a:spLocks noGrp="1" noRot="1" noChangeAspect="1"/>
+          </p:cNvSpPr>
+          <p:nvPr>
+            <p:ph type="sldImg"/>
+          </p:nvPr>
+        </p:nvSpPr>
+        <p:spPr>
+          <a:xfrm>
+            <a:off x="1371600" y="1143000"/>
+            <a:ext cx="4114800" cy="3086100"/>
+          </a:xfrm>
+        </p:spPr>
+      </p:sp>
+      <p:sp>
+        <p:nvSpPr>
+          <p:cNvPr id="3" name="Notes Placeholder 2"/>
+          <p:cNvSpPr>
+            <a:spLocks noGrp="1"/>
+          </p:cNvSpPr>
+          <p:nvPr>
+            <p:ph type="body" idx="1"/>
+          </p:nvPr>
+        </p:nvSpPr>
+        <p:spPr/>
+        <p:txBody>
+          <a:bodyPr/>
+          <a:lstStyle/>
+          <a:p>
+            <a:r>
+              <a:rPr lang="en-US" dirty="0"/>
+              <a:t>Investigate other van lines (NJ, Long Island </a:t>
+            </a:r>
+            <a:r>
+              <a:rPr lang="en-US" dirty="0" err="1"/>
+              <a:t>etc</a:t>
+            </a:r>
+            <a:r>
+              <a:rPr lang="en-US" dirty="0"/>
+              <a:t>)</a:t>
+            </a:r>
+          </a:p>
+          <a:p>
+            <a:endParaRPr lang="en-US" dirty="0"/>
+          </a:p>
+          <a:p>
+            <a:r>
+              <a:rPr lang="en-US" dirty="0"/>
+              <a:t>Find new van lines to document their routes</a:t>
+            </a:r>
+          </a:p>
+        </p:txBody>
+      </p:sp>
+      <p:sp>
+        <p:nvSpPr>
+          <p:cNvPr id="4" name="Slide Number Placeholder 3"/>
+          <p:cNvSpPr>
+            <a:spLocks noGrp="1"/>
+          </p:cNvSpPr>
+          <p:nvPr>
+            <p:ph type="sldNum" sz="quarter" idx="10"/>
+          </p:nvPr>
+        </p:nvSpPr>
+        <p:spPr/>
+        <p:txBody>
+          <a:bodyPr/>
+          <a:lstStyle/>
+          <a:p>
+            <a:fld id="{67576521-698A-41CD-9D8D-AE7CE53232A3}" type="slidenum">
+              <a:rPr lang="en-US" smtClean="0"/>
+              <a:t>16</a:t>
+            </a:fld>
+            <a:endParaRPr lang="en-US"/>
+          </a:p>
+        </p:txBody>
+      </p:sp>
+    </p:spTree>
+    <p:extLst>
+      <p:ext uri="{BB962C8B-B14F-4D97-AF65-F5344CB8AC3E}">
+        <p14:creationId xmlns:p14="http://schemas.microsoft.com/office/powerpoint/2010/main" val="978010765"/>
       </p:ext>
     </p:extLst>
   </p:cSld>
@@ -623,9 +1383,62 @@
           <a:lstStyle/>
           <a:p>
             <a:r>
-              <a:rPr lang="en-US" dirty="0"/>
-              <a:t>500 illegal van</a:t>
-            </a:r>
+              <a:rPr lang="en-US" dirty="0" smtClean="0"/>
+              <a:t>They</a:t>
+            </a:r>
+            <a:r>
+              <a:rPr lang="en-US" baseline="0" dirty="0" smtClean="0"/>
+              <a:t> came during Transit </a:t>
+            </a:r>
+            <a:r>
+              <a:rPr lang="en-US" baseline="0" dirty="0" err="1" smtClean="0"/>
+              <a:t>Stike</a:t>
+            </a:r>
+            <a:r>
+              <a:rPr lang="en-US" baseline="0" dirty="0" smtClean="0"/>
+              <a:t> of 1980</a:t>
+            </a:r>
+          </a:p>
+          <a:p>
+            <a:r>
+              <a:rPr lang="en-US" baseline="0" dirty="0" smtClean="0"/>
+              <a:t>Lots of operation outside of regulation</a:t>
+            </a:r>
+          </a:p>
+          <a:p>
+            <a:r>
+              <a:rPr lang="en-US" baseline="0" dirty="0" smtClean="0"/>
+              <a:t>Brought under TLC in </a:t>
+            </a:r>
+            <a:r>
+              <a:rPr lang="en-US" baseline="0" dirty="0" smtClean="0"/>
+              <a:t>1997</a:t>
+            </a:r>
+          </a:p>
+          <a:p>
+            <a:endParaRPr lang="en-US" baseline="0" dirty="0" smtClean="0"/>
+          </a:p>
+          <a:p>
+            <a:r>
+              <a:rPr lang="en-US" dirty="0" smtClean="0"/>
+              <a:t/>
+            </a:r>
+            <a:br>
+              <a:rPr lang="en-US" dirty="0" smtClean="0"/>
+            </a:br>
+            <a:r>
+              <a:rPr lang="en-US" sz="1200" b="0" i="0" kern="1200" dirty="0" smtClean="0">
+                <a:solidFill>
+                  <a:schemeClr val="tx1"/>
+                </a:solidFill>
+                <a:effectLst/>
+                <a:latin typeface="+mn-lt"/>
+                <a:ea typeface="+mn-ea"/>
+                <a:cs typeface="+mn-cs"/>
+              </a:rPr>
+              <a:t>These vans had been quietly operating for a while but really came to the fore during the transit strike of 1980. The was practically no other way  to get around.</a:t>
+            </a:r>
+            <a:endParaRPr lang="en-US" dirty="0"/>
           </a:p>
         </p:txBody>
       </p:sp>
@@ -646,7 +1459,7 @@
           <a:p>
             <a:fld id="{67576521-698A-41CD-9D8D-AE7CE53232A3}" type="slidenum">
               <a:rPr lang="en-US" smtClean="0"/>
-              <a:t>4</a:t>
+              <a:t>2</a:t>
             </a:fld>
             <a:endParaRPr lang="en-US"/>
           </a:p>
@@ -655,7 +1468,7 @@
     </p:spTree>
     <p:extLst>
       <p:ext uri="{BB962C8B-B14F-4D97-AF65-F5344CB8AC3E}">
-        <p14:creationId xmlns:p14="http://schemas.microsoft.com/office/powerpoint/2010/main" val="1418952101"/>
+        <p14:creationId xmlns:p14="http://schemas.microsoft.com/office/powerpoint/2010/main" val="1083708858"/>
       </p:ext>
     </p:extLst>
   </p:cSld>
@@ -692,12 +1505,7 @@
             <p:ph type="sldImg"/>
           </p:nvPr>
         </p:nvSpPr>
-        <p:spPr>
-          <a:xfrm>
-            <a:off x="1371600" y="1143000"/>
-            <a:ext cx="4114800" cy="3086100"/>
-          </a:xfrm>
-        </p:spPr>
+        <p:spPr/>
       </p:sp>
       <p:sp>
         <p:nvSpPr>
@@ -716,13 +1524,8 @@
           <a:p>
             <a:r>
               <a:rPr lang="en-US" dirty="0"/>
-              <a:t>Verified Routes by</a:t>
-            </a:r>
-            <a:r>
-              <a:rPr lang="en-US" baseline="0" dirty="0"/>
-              <a:t> Aaron Reiss</a:t>
-            </a:r>
-            <a:endParaRPr lang="en-US" dirty="0"/>
+              <a:t>100,000 passengers a day. </a:t>
+            </a:r>
           </a:p>
         </p:txBody>
       </p:sp>
@@ -743,7 +1546,7 @@
           <a:p>
             <a:fld id="{67576521-698A-41CD-9D8D-AE7CE53232A3}" type="slidenum">
               <a:rPr lang="en-US" smtClean="0"/>
-              <a:t>7</a:t>
+              <a:t>3</a:t>
             </a:fld>
             <a:endParaRPr lang="en-US"/>
           </a:p>
@@ -752,7 +1555,7 @@
     </p:spTree>
     <p:extLst>
       <p:ext uri="{BB962C8B-B14F-4D97-AF65-F5344CB8AC3E}">
-        <p14:creationId xmlns:p14="http://schemas.microsoft.com/office/powerpoint/2010/main" val="3267747955"/>
+        <p14:creationId xmlns:p14="http://schemas.microsoft.com/office/powerpoint/2010/main" val="2571956375"/>
       </p:ext>
     </p:extLst>
   </p:cSld>
@@ -808,11 +1611,17 @@
           <a:p>
             <a:r>
               <a:rPr lang="en-US" dirty="0"/>
-              <a:t>Open Trip</a:t>
-            </a:r>
-            <a:r>
-              <a:rPr lang="en-US" baseline="0" dirty="0"/>
-              <a:t> Planner commute time results</a:t>
+              <a:t>500 illegal </a:t>
+            </a:r>
+            <a:r>
+              <a:rPr lang="en-US" dirty="0" smtClean="0"/>
+              <a:t>vans</a:t>
+            </a:r>
+          </a:p>
+          <a:p>
+            <a:r>
+              <a:rPr lang="en-US" dirty="0" smtClean="0"/>
+              <a:t>Regulation is not working</a:t>
             </a:r>
             <a:endParaRPr lang="en-US" dirty="0"/>
           </a:p>
@@ -835,7 +1644,7 @@
           <a:p>
             <a:fld id="{67576521-698A-41CD-9D8D-AE7CE53232A3}" type="slidenum">
               <a:rPr lang="en-US" smtClean="0"/>
-              <a:t>10</a:t>
+              <a:t>4</a:t>
             </a:fld>
             <a:endParaRPr lang="en-US"/>
           </a:p>
@@ -844,7 +1653,7 @@
     </p:spTree>
     <p:extLst>
       <p:ext uri="{BB962C8B-B14F-4D97-AF65-F5344CB8AC3E}">
-        <p14:creationId xmlns:p14="http://schemas.microsoft.com/office/powerpoint/2010/main" val="2894774453"/>
+        <p14:creationId xmlns:p14="http://schemas.microsoft.com/office/powerpoint/2010/main" val="1418952101"/>
       </p:ext>
     </p:extLst>
   </p:cSld>
@@ -898,30 +1707,6 @@
           <a:bodyPr/>
           <a:lstStyle/>
           <a:p>
-            <a:r>
-              <a:rPr lang="en-US" dirty="0"/>
-              <a:t>Riders are not a Monolith, they very by ‘line’</a:t>
-            </a:r>
-          </a:p>
-          <a:p>
-            <a:endParaRPr lang="en-US" dirty="0"/>
-          </a:p>
-          <a:p>
-            <a:r>
-              <a:rPr lang="en-US" dirty="0"/>
-              <a:t>Chinatown served cultural ties</a:t>
-            </a:r>
-          </a:p>
-          <a:p>
-            <a:endParaRPr lang="en-US" dirty="0"/>
-          </a:p>
-          <a:p>
-            <a:r>
-              <a:rPr lang="en-US" dirty="0"/>
-              <a:t>Flatbush and East New York lines served as economic lifelines</a:t>
-            </a:r>
-          </a:p>
-          <a:p>
             <a:endParaRPr lang="en-US" dirty="0"/>
           </a:p>
         </p:txBody>
@@ -943,7 +1728,7 @@
           <a:p>
             <a:fld id="{67576521-698A-41CD-9D8D-AE7CE53232A3}" type="slidenum">
               <a:rPr lang="en-US" smtClean="0"/>
-              <a:t>12</a:t>
+              <a:t>5</a:t>
             </a:fld>
             <a:endParaRPr lang="en-US"/>
           </a:p>
@@ -952,7 +1737,7 @@
     </p:spTree>
     <p:extLst>
       <p:ext uri="{BB962C8B-B14F-4D97-AF65-F5344CB8AC3E}">
-        <p14:creationId xmlns:p14="http://schemas.microsoft.com/office/powerpoint/2010/main" val="22584304"/>
+        <p14:creationId xmlns:p14="http://schemas.microsoft.com/office/powerpoint/2010/main" val="456768730"/>
       </p:ext>
     </p:extLst>
   </p:cSld>
@@ -1007,9 +1792,32 @@
           <a:lstStyle/>
           <a:p>
             <a:r>
-              <a:rPr lang="en-US" dirty="0"/>
-              <a:t>Predicted Map</a:t>
-            </a:r>
+              <a:rPr lang="en-US" dirty="0" smtClean="0"/>
+              <a:t>Street hail</a:t>
+            </a:r>
+          </a:p>
+          <a:p>
+            <a:r>
+              <a:rPr lang="en-US" dirty="0" smtClean="0"/>
+              <a:t>Upcoming legislation is key</a:t>
+            </a:r>
+          </a:p>
+          <a:p>
+            <a:r>
+              <a:rPr lang="en-US" dirty="0" smtClean="0"/>
+              <a:t>Should not kill vans</a:t>
+            </a:r>
+          </a:p>
+          <a:p>
+            <a:r>
+              <a:rPr lang="en-US" dirty="0" smtClean="0"/>
+              <a:t>Do</a:t>
+            </a:r>
+            <a:r>
+              <a:rPr lang="en-US" baseline="0" dirty="0" smtClean="0"/>
+              <a:t> not make assumptions, speak to people </a:t>
+            </a:r>
+            <a:endParaRPr lang="en-US" dirty="0"/>
           </a:p>
         </p:txBody>
       </p:sp>
@@ -1030,7 +1838,7 @@
           <a:p>
             <a:fld id="{67576521-698A-41CD-9D8D-AE7CE53232A3}" type="slidenum">
               <a:rPr lang="en-US" smtClean="0"/>
-              <a:t>13</a:t>
+              <a:t>6</a:t>
             </a:fld>
             <a:endParaRPr lang="en-US"/>
           </a:p>
@@ -1039,7 +1847,7 @@
     </p:spTree>
     <p:extLst>
       <p:ext uri="{BB962C8B-B14F-4D97-AF65-F5344CB8AC3E}">
-        <p14:creationId xmlns:p14="http://schemas.microsoft.com/office/powerpoint/2010/main" val="3519053123"/>
+        <p14:creationId xmlns:p14="http://schemas.microsoft.com/office/powerpoint/2010/main" val="1805490732"/>
       </p:ext>
     </p:extLst>
   </p:cSld>
@@ -1076,7 +1884,12 @@
             <p:ph type="sldImg"/>
           </p:nvPr>
         </p:nvSpPr>
-        <p:spPr/>
+        <p:spPr>
+          <a:xfrm>
+            <a:off x="1371600" y="1143000"/>
+            <a:ext cx="4114800" cy="3086100"/>
+          </a:xfrm>
+        </p:spPr>
       </p:sp>
       <p:sp>
         <p:nvSpPr>
@@ -1094,30 +1907,87 @@
           <a:lstStyle/>
           <a:p>
             <a:r>
-              <a:rPr lang="en-US" dirty="0"/>
-              <a:t>Context of why certain regions are using vans should be included in permitting decisions</a:t>
-            </a:r>
-          </a:p>
-          <a:p>
-            <a:r>
-              <a:rPr lang="en-US" dirty="0"/>
-              <a:t>The MTA is not well placed to create ‘cultural’ van lines</a:t>
-            </a:r>
-          </a:p>
-          <a:p>
-            <a:r>
-              <a:rPr lang="en-US" dirty="0"/>
-              <a:t>The MTA should see the outer borough lines as a need for more formal options</a:t>
-            </a:r>
-          </a:p>
-          <a:p>
-            <a:r>
-              <a:rPr lang="en-US" dirty="0"/>
-              <a:t>Both are serving vital functions and have their place in the ecosystem</a:t>
-            </a:r>
-          </a:p>
-          <a:p>
-            <a:endParaRPr lang="en-US" dirty="0"/>
+              <a:rPr lang="en-US" dirty="0" smtClean="0"/>
+              <a:t>We talked to three people:</a:t>
+            </a:r>
+          </a:p>
+          <a:p>
+            <a:pPr marL="0" marR="0" indent="0" algn="l" defTabSz="914400" rtl="0" eaLnBrk="1" fontAlgn="auto" latinLnBrk="0" hangingPunct="1">
+              <a:lnSpc>
+                <a:spcPct val="100000"/>
+              </a:lnSpc>
+              <a:spcBef>
+                <a:spcPts val="0"/>
+              </a:spcBef>
+              <a:spcAft>
+                <a:spcPts val="0"/>
+              </a:spcAft>
+              <a:buClrTx/>
+              <a:buSzTx/>
+              <a:buFontTx/>
+              <a:buNone/>
+              <a:tabLst/>
+              <a:defRPr/>
+            </a:pPr>
+            <a:r>
+              <a:rPr lang="en-US" dirty="0" smtClean="0"/>
+              <a:t>-Interviewed Alex </a:t>
+            </a:r>
+            <a:r>
+              <a:rPr lang="en-US" dirty="0" err="1" smtClean="0"/>
+              <a:t>Ketting</a:t>
+            </a:r>
+            <a:r>
+              <a:rPr lang="en-US" dirty="0" smtClean="0"/>
+              <a:t>,</a:t>
+            </a:r>
+            <a:r>
+              <a:rPr lang="en-US" baseline="0" dirty="0" smtClean="0"/>
+              <a:t> the Director of the unit that oversees permitting</a:t>
+            </a:r>
+          </a:p>
+          <a:p>
+            <a:pPr marL="0" marR="0" indent="0" algn="l" defTabSz="914400" rtl="0" eaLnBrk="1" fontAlgn="auto" latinLnBrk="0" hangingPunct="1">
+              <a:lnSpc>
+                <a:spcPct val="100000"/>
+              </a:lnSpc>
+              <a:spcBef>
+                <a:spcPts val="0"/>
+              </a:spcBef>
+              <a:spcAft>
+                <a:spcPts val="0"/>
+              </a:spcAft>
+              <a:buClrTx/>
+              <a:buSzTx/>
+              <a:buFontTx/>
+              <a:buNone/>
+              <a:tabLst/>
+              <a:defRPr/>
+            </a:pPr>
+            <a:r>
+              <a:rPr lang="en-US" dirty="0" smtClean="0"/>
+              <a:t>-Interviewed Journalist </a:t>
+            </a:r>
+            <a:r>
+              <a:rPr lang="en-US" dirty="0" err="1" smtClean="0"/>
+              <a:t>Aarron</a:t>
+            </a:r>
+            <a:r>
+              <a:rPr lang="en-US" dirty="0" smtClean="0"/>
+              <a:t> </a:t>
+            </a:r>
+            <a:r>
+              <a:rPr lang="en-US" dirty="0" err="1" smtClean="0"/>
+              <a:t>Riess</a:t>
+            </a:r>
+            <a:endParaRPr lang="en-US" dirty="0" smtClean="0"/>
+          </a:p>
+          <a:p>
+            <a:r>
+              <a:rPr lang="en-US" baseline="0" dirty="0" smtClean="0"/>
+              <a:t>-Went on a dollar van ride ourselves</a:t>
+            </a:r>
+            <a:endParaRPr lang="en-US" dirty="0" smtClean="0"/>
           </a:p>
         </p:txBody>
       </p:sp>
@@ -1138,7 +2008,7 @@
           <a:p>
             <a:fld id="{67576521-698A-41CD-9D8D-AE7CE53232A3}" type="slidenum">
               <a:rPr lang="en-US" smtClean="0"/>
-              <a:t>14</a:t>
+              <a:t>7</a:t>
             </a:fld>
             <a:endParaRPr lang="en-US"/>
           </a:p>
@@ -1147,7 +2017,7 @@
     </p:spTree>
     <p:extLst>
       <p:ext uri="{BB962C8B-B14F-4D97-AF65-F5344CB8AC3E}">
-        <p14:creationId xmlns:p14="http://schemas.microsoft.com/office/powerpoint/2010/main" val="2804991105"/>
+        <p14:creationId xmlns:p14="http://schemas.microsoft.com/office/powerpoint/2010/main" val="3267747955"/>
       </p:ext>
     </p:extLst>
   </p:cSld>
@@ -1201,16 +2071,54 @@
           <a:bodyPr/>
           <a:lstStyle/>
           <a:p>
-            <a:r>
-              <a:rPr lang="en-US" dirty="0"/>
-              <a:t>Create a tool for TLC/DOT </a:t>
-            </a:r>
-          </a:p>
-          <a:p>
-            <a:r>
-              <a:rPr lang="en-US" dirty="0"/>
-              <a:t>Invest in infrastructure in East New York and where our predicative model says their could be dollar van demand</a:t>
-            </a:r>
+            <a:pPr marL="0" marR="0" indent="0" algn="l" defTabSz="914400" rtl="0" eaLnBrk="1" fontAlgn="auto" latinLnBrk="0" hangingPunct="1">
+              <a:lnSpc>
+                <a:spcPct val="100000"/>
+              </a:lnSpc>
+              <a:spcBef>
+                <a:spcPts val="0"/>
+              </a:spcBef>
+              <a:spcAft>
+                <a:spcPts val="0"/>
+              </a:spcAft>
+              <a:buClrTx/>
+              <a:buSzTx/>
+              <a:buFontTx/>
+              <a:buNone/>
+              <a:tabLst/>
+              <a:defRPr/>
+            </a:pPr>
+            <a:r>
+              <a:rPr lang="en-US" baseline="0" dirty="0" smtClean="0"/>
+              <a:t>Two types of tracts, origins are yellow and destinations are orange</a:t>
+            </a:r>
+          </a:p>
+          <a:p>
+            <a:r>
+              <a:rPr lang="en-US" dirty="0" smtClean="0"/>
+              <a:t>Destinations are where people got off and origins are where people could get on</a:t>
+            </a:r>
+            <a:r>
+              <a:rPr lang="en-US" baseline="0" dirty="0" smtClean="0"/>
+              <a:t> </a:t>
+            </a:r>
+            <a:endParaRPr lang="en-US" dirty="0" smtClean="0"/>
+          </a:p>
+          <a:p>
+            <a:r>
+              <a:rPr lang="en-US" dirty="0" smtClean="0"/>
+              <a:t>We</a:t>
+            </a:r>
+            <a:r>
+              <a:rPr lang="en-US" baseline="0" dirty="0" smtClean="0"/>
+              <a:t> used GIS polylines and ½ mile buffers</a:t>
+            </a:r>
+          </a:p>
+          <a:p>
+            <a:endParaRPr lang="en-US" baseline="0" dirty="0" smtClean="0"/>
+          </a:p>
+          <a:p>
+            <a:endParaRPr lang="en-US" dirty="0" smtClean="0"/>
           </a:p>
         </p:txBody>
       </p:sp>
@@ -1231,7 +2139,7 @@
           <a:p>
             <a:fld id="{67576521-698A-41CD-9D8D-AE7CE53232A3}" type="slidenum">
               <a:rPr lang="en-US" smtClean="0"/>
-              <a:t>15</a:t>
+              <a:t>8</a:t>
             </a:fld>
             <a:endParaRPr lang="en-US"/>
           </a:p>
@@ -1240,7 +2148,7 @@
     </p:spTree>
     <p:extLst>
       <p:ext uri="{BB962C8B-B14F-4D97-AF65-F5344CB8AC3E}">
-        <p14:creationId xmlns:p14="http://schemas.microsoft.com/office/powerpoint/2010/main" val="3041105220"/>
+        <p14:creationId xmlns:p14="http://schemas.microsoft.com/office/powerpoint/2010/main" val="2089301781"/>
       </p:ext>
     </p:extLst>
   </p:cSld>
@@ -1277,12 +2185,7 @@
             <p:ph type="sldImg"/>
           </p:nvPr>
         </p:nvSpPr>
-        <p:spPr>
-          <a:xfrm>
-            <a:off x="1371600" y="1143000"/>
-            <a:ext cx="4114800" cy="3086100"/>
-          </a:xfrm>
-        </p:spPr>
+        <p:spPr/>
       </p:sp>
       <p:sp>
         <p:nvSpPr>
@@ -1300,26 +2203,23 @@
           <a:lstStyle/>
           <a:p>
             <a:r>
-              <a:rPr lang="en-US" dirty="0"/>
-              <a:t>Investigate other van lines (NJ, Long Island </a:t>
-            </a:r>
-            <a:r>
-              <a:rPr lang="en-US" dirty="0" err="1"/>
-              <a:t>etc</a:t>
-            </a:r>
-            <a:r>
-              <a:rPr lang="en-US" dirty="0"/>
-              <a:t>)</a:t>
-            </a:r>
-          </a:p>
-          <a:p>
-            <a:endParaRPr lang="en-US" dirty="0"/>
-          </a:p>
-          <a:p>
-            <a:r>
-              <a:rPr lang="en-US" dirty="0"/>
-              <a:t>Find new van lines to document their routes</a:t>
-            </a:r>
+              <a:rPr lang="en-US" dirty="0" smtClean="0"/>
+              <a:t>LEHD</a:t>
+            </a:r>
+            <a:r>
+              <a:rPr lang="en-US" baseline="0" dirty="0" smtClean="0"/>
+              <a:t> LODES data was used to describe where people work and how much they make</a:t>
+            </a:r>
+            <a:endParaRPr lang="en-US" baseline="0" dirty="0"/>
+          </a:p>
+          <a:p>
+            <a:r>
+              <a:rPr lang="en-US" baseline="0" dirty="0" smtClean="0"/>
+              <a:t>The ACS was used for demographics</a:t>
+            </a:r>
+          </a:p>
+          <a:p>
+            <a:endParaRPr lang="en-US" baseline="0" dirty="0"/>
           </a:p>
         </p:txBody>
       </p:sp>
@@ -1340,7 +2240,7 @@
           <a:p>
             <a:fld id="{67576521-698A-41CD-9D8D-AE7CE53232A3}" type="slidenum">
               <a:rPr lang="en-US" smtClean="0"/>
-              <a:t>16</a:t>
+              <a:t>9</a:t>
             </a:fld>
             <a:endParaRPr lang="en-US"/>
           </a:p>
@@ -1349,7 +2249,7 @@
     </p:spTree>
     <p:extLst>
       <p:ext uri="{BB962C8B-B14F-4D97-AF65-F5344CB8AC3E}">
-        <p14:creationId xmlns:p14="http://schemas.microsoft.com/office/powerpoint/2010/main" val="978010765"/>
+        <p14:creationId xmlns:p14="http://schemas.microsoft.com/office/powerpoint/2010/main" val="196134843"/>
       </p:ext>
     </p:extLst>
   </p:cSld>
@@ -1490,7 +2390,7 @@
           <a:p>
             <a:fld id="{621AC478-3AD9-454E-99FA-320FFD5DAB2C}" type="datetimeFigureOut">
               <a:rPr lang="en-US" smtClean="0"/>
-              <a:t>3/22/2016</a:t>
+              <a:t>3/24/2016</a:t>
             </a:fld>
             <a:endParaRPr lang="en-US"/>
           </a:p>
@@ -1660,7 +2560,7 @@
           <a:p>
             <a:fld id="{621AC478-3AD9-454E-99FA-320FFD5DAB2C}" type="datetimeFigureOut">
               <a:rPr lang="en-US" smtClean="0"/>
-              <a:t>3/22/2016</a:t>
+              <a:t>3/24/2016</a:t>
             </a:fld>
             <a:endParaRPr lang="en-US"/>
           </a:p>
@@ -1840,7 +2740,7 @@
           <a:p>
             <a:fld id="{621AC478-3AD9-454E-99FA-320FFD5DAB2C}" type="datetimeFigureOut">
               <a:rPr lang="en-US" smtClean="0"/>
-              <a:t>3/22/2016</a:t>
+              <a:t>3/24/2016</a:t>
             </a:fld>
             <a:endParaRPr lang="en-US"/>
           </a:p>
@@ -2010,7 +2910,7 @@
           <a:p>
             <a:fld id="{621AC478-3AD9-454E-99FA-320FFD5DAB2C}" type="datetimeFigureOut">
               <a:rPr lang="en-US" smtClean="0"/>
-              <a:t>3/22/2016</a:t>
+              <a:t>3/24/2016</a:t>
             </a:fld>
             <a:endParaRPr lang="en-US"/>
           </a:p>
@@ -2254,7 +3154,7 @@
           <a:p>
             <a:fld id="{621AC478-3AD9-454E-99FA-320FFD5DAB2C}" type="datetimeFigureOut">
               <a:rPr lang="en-US" smtClean="0"/>
-              <a:t>3/22/2016</a:t>
+              <a:t>3/24/2016</a:t>
             </a:fld>
             <a:endParaRPr lang="en-US"/>
           </a:p>
@@ -2486,7 +3386,7 @@
           <a:p>
             <a:fld id="{621AC478-3AD9-454E-99FA-320FFD5DAB2C}" type="datetimeFigureOut">
               <a:rPr lang="en-US" smtClean="0"/>
-              <a:t>3/22/2016</a:t>
+              <a:t>3/24/2016</a:t>
             </a:fld>
             <a:endParaRPr lang="en-US"/>
           </a:p>
@@ -2853,7 +3753,7 @@
           <a:p>
             <a:fld id="{621AC478-3AD9-454E-99FA-320FFD5DAB2C}" type="datetimeFigureOut">
               <a:rPr lang="en-US" smtClean="0"/>
-              <a:t>3/22/2016</a:t>
+              <a:t>3/24/2016</a:t>
             </a:fld>
             <a:endParaRPr lang="en-US"/>
           </a:p>
@@ -2971,7 +3871,7 @@
           <a:p>
             <a:fld id="{621AC478-3AD9-454E-99FA-320FFD5DAB2C}" type="datetimeFigureOut">
               <a:rPr lang="en-US" smtClean="0"/>
-              <a:t>3/22/2016</a:t>
+              <a:t>3/24/2016</a:t>
             </a:fld>
             <a:endParaRPr lang="en-US"/>
           </a:p>
@@ -3066,7 +3966,7 @@
           <a:p>
             <a:fld id="{621AC478-3AD9-454E-99FA-320FFD5DAB2C}" type="datetimeFigureOut">
               <a:rPr lang="en-US" smtClean="0"/>
-              <a:t>3/22/2016</a:t>
+              <a:t>3/24/2016</a:t>
             </a:fld>
             <a:endParaRPr lang="en-US"/>
           </a:p>
@@ -3343,7 +4243,7 @@
           <a:p>
             <a:fld id="{621AC478-3AD9-454E-99FA-320FFD5DAB2C}" type="datetimeFigureOut">
               <a:rPr lang="en-US" smtClean="0"/>
-              <a:t>3/22/2016</a:t>
+              <a:t>3/24/2016</a:t>
             </a:fld>
             <a:endParaRPr lang="en-US"/>
           </a:p>
@@ -3600,7 +4500,7 @@
           <a:p>
             <a:fld id="{621AC478-3AD9-454E-99FA-320FFD5DAB2C}" type="datetimeFigureOut">
               <a:rPr lang="en-US" smtClean="0"/>
-              <a:t>3/22/2016</a:t>
+              <a:t>3/24/2016</a:t>
             </a:fld>
             <a:endParaRPr lang="en-US"/>
           </a:p>
@@ -3816,7 +4716,7 @@
           <a:p>
             <a:fld id="{621AC478-3AD9-454E-99FA-320FFD5DAB2C}" type="datetimeFigureOut">
               <a:rPr lang="en-US" smtClean="0"/>
-              <a:t>3/22/2016</a:t>
+              <a:t>3/24/2016</a:t>
             </a:fld>
             <a:endParaRPr lang="en-US"/>
           </a:p>
@@ -4230,7 +5130,7 @@
           <p:nvPr/>
         </p:nvPicPr>
         <p:blipFill>
-          <a:blip r:embed="rId2">
+          <a:blip r:embed="rId3">
             <a:extLst>
               <a:ext uri="{28A0092B-C50C-407E-A947-70E740481C1C}">
                 <a14:useLocalDpi xmlns:a14="http://schemas.microsoft.com/office/drawing/2010/main" val="0"/>
@@ -4271,7 +5171,7 @@
           <p:nvPr/>
         </p:nvPicPr>
         <p:blipFill>
-          <a:blip r:embed="rId3">
+          <a:blip r:embed="rId4">
             <a:extLst>
               <a:ext uri="{28A0092B-C50C-407E-A947-70E740481C1C}">
                 <a14:useLocalDpi xmlns:a14="http://schemas.microsoft.com/office/drawing/2010/main" val="0"/>
@@ -4312,7 +5212,7 @@
           <p:nvPr/>
         </p:nvPicPr>
         <p:blipFill>
-          <a:blip r:embed="rId4">
+          <a:blip r:embed="rId5">
             <a:extLst>
               <a:ext uri="{28A0092B-C50C-407E-A947-70E740481C1C}">
                 <a14:useLocalDpi xmlns:a14="http://schemas.microsoft.com/office/drawing/2010/main" val="0"/>
@@ -4353,7 +5253,7 @@
           <p:nvPr/>
         </p:nvPicPr>
         <p:blipFill>
-          <a:blip r:embed="rId5">
+          <a:blip r:embed="rId6">
             <a:extLst>
               <a:ext uri="{28A0092B-C50C-407E-A947-70E740481C1C}">
                 <a14:useLocalDpi xmlns:a14="http://schemas.microsoft.com/office/drawing/2010/main" val="0"/>
@@ -4395,6 +5295,13 @@
   <p:clrMapOvr>
     <a:masterClrMapping/>
   </p:clrMapOvr>
+  <p:timing>
+    <p:tnLst>
+      <p:par>
+        <p:cTn id="1" dur="indefinite" restart="never" nodeType="tmRoot"/>
+      </p:par>
+    </p:tnLst>
+  </p:timing>
 </p:sld>
 </file>
 
@@ -4417,25 +5324,6 @@
       </p:grpSpPr>
       <p:sp>
         <p:nvSpPr>
-          <p:cNvPr id="4" name="Title 3"/>
-          <p:cNvSpPr>
-            <a:spLocks noGrp="1"/>
-          </p:cNvSpPr>
-          <p:nvPr>
-            <p:ph type="ctrTitle"/>
-          </p:nvPr>
-        </p:nvSpPr>
-        <p:spPr/>
-        <p:txBody>
-          <a:bodyPr/>
-          <a:lstStyle/>
-          <a:p>
-            <a:endParaRPr lang="en-US"/>
-          </a:p>
-        </p:txBody>
-      </p:sp>
-      <p:sp>
-        <p:nvSpPr>
           <p:cNvPr id="5" name="Subtitle 4"/>
           <p:cNvSpPr>
             <a:spLocks noGrp="1"/>
@@ -4455,22 +5343,28 @@
       </p:sp>
       <p:pic>
         <p:nvPicPr>
-          <p:cNvPr id="7" name="Picture 6"/>
+          <p:cNvPr id="3" name="Picture 2"/>
           <p:cNvPicPr>
             <a:picLocks noChangeAspect="1"/>
           </p:cNvPicPr>
           <p:nvPr/>
         </p:nvPicPr>
         <p:blipFill>
-          <a:blip r:embed="rId3"/>
+          <a:blip r:embed="rId3">
+            <a:extLst>
+              <a:ext uri="{28A0092B-C50C-407E-A947-70E740481C1C}">
+                <a14:useLocalDpi xmlns:a14="http://schemas.microsoft.com/office/drawing/2010/main" val="0"/>
+              </a:ext>
+            </a:extLst>
+          </a:blip>
           <a:stretch>
             <a:fillRect/>
           </a:stretch>
         </p:blipFill>
         <p:spPr>
           <a:xfrm>
-            <a:off x="893332" y="0"/>
-            <a:ext cx="7357335" cy="6858000"/>
+            <a:off x="891586" y="0"/>
+            <a:ext cx="7360827" cy="6858000"/>
           </a:xfrm>
           <a:prstGeom prst="rect">
             <a:avLst/>
@@ -4487,6 +5381,13 @@
   <p:clrMapOvr>
     <a:masterClrMapping/>
   </p:clrMapOvr>
+  <p:timing>
+    <p:tnLst>
+      <p:par>
+        <p:cTn id="1" dur="indefinite" restart="never" nodeType="tmRoot"/>
+      </p:par>
+    </p:tnLst>
+  </p:timing>
 </p:sld>
 </file>
 
@@ -4554,6 +5455,12 @@
           </a:p>
           <a:p>
             <a:pPr algn="ctr"/>
+            <a:r>
+              <a:rPr lang="en-US" sz="5000" dirty="0">
+                <a:latin typeface="Lucida Console" panose="020B0609040504020204" pitchFamily="49" charset="0"/>
+              </a:rPr>
+              <a:t/>
+            </a:r>
             <a:br>
               <a:rPr lang="en-US" sz="5000" dirty="0">
                 <a:latin typeface="Lucida Console" panose="020B0609040504020204" pitchFamily="49" charset="0"/>
@@ -4578,6 +5485,13 @@
   <p:clrMapOvr>
     <a:masterClrMapping/>
   </p:clrMapOvr>
+  <p:timing>
+    <p:tnLst>
+      <p:par>
+        <p:cTn id="1" dur="indefinite" restart="never" nodeType="tmRoot"/>
+      </p:par>
+    </p:tnLst>
+  </p:timing>
 </p:sld>
 </file>
 
@@ -4673,6 +5587,13 @@
   <p:clrMapOvr>
     <a:masterClrMapping/>
   </p:clrMapOvr>
+  <p:timing>
+    <p:tnLst>
+      <p:par>
+        <p:cTn id="1" dur="indefinite" restart="never" nodeType="tmRoot"/>
+      </p:par>
+    </p:tnLst>
+  </p:timing>
 </p:sld>
 </file>
 
@@ -4745,6 +5666,13 @@
   <p:clrMapOvr>
     <a:masterClrMapping/>
   </p:clrMapOvr>
+  <p:timing>
+    <p:tnLst>
+      <p:par>
+        <p:cTn id="1" dur="indefinite" restart="never" nodeType="tmRoot"/>
+      </p:par>
+    </p:tnLst>
+  </p:timing>
 </p:sld>
 </file>
 
@@ -4800,7 +5728,7 @@
       </p:sp>
       <p:pic>
         <p:nvPicPr>
-          <p:cNvPr id="5122" name="Picture 2" descr="http://touchgraphics.com/wordpress/wp-content/uploads/2014/10/NYCDOT.svg_1.png"/>
+          <p:cNvPr id="5130" name="Picture 10" descr="https://upload.wikimedia.org/wikipedia/commons/thumb/3/3c/MTA_NYC_logo.svg/1000px-MTA_NYC_logo.svg.png"/>
           <p:cNvPicPr>
             <a:picLocks noChangeAspect="1" noChangeArrowheads="1"/>
           </p:cNvPicPr>
@@ -4821,8 +5749,8 @@
         </p:blipFill>
         <p:spPr bwMode="auto">
           <a:xfrm>
-            <a:off x="348018" y="652191"/>
-            <a:ext cx="3458475" cy="3458475"/>
+            <a:off x="3520440" y="4001294"/>
+            <a:ext cx="2103120" cy="2103120"/>
           </a:xfrm>
           <a:prstGeom prst="rect">
             <a:avLst/>
@@ -4839,11 +5767,51 @@
           </a:extLst>
         </p:spPr>
       </p:pic>
+      <p:sp>
+        <p:nvSpPr>
+          <p:cNvPr id="10" name="Title 4"/>
+          <p:cNvSpPr>
+            <a:spLocks noGrp="1"/>
+          </p:cNvSpPr>
+          <p:nvPr>
+            <p:ph type="title"/>
+          </p:nvPr>
+        </p:nvSpPr>
+        <p:spPr>
+          <a:xfrm>
+            <a:off x="628650" y="365126"/>
+            <a:ext cx="7886700" cy="1325563"/>
+          </a:xfrm>
+        </p:spPr>
+        <p:txBody>
+          <a:bodyPr>
+            <a:normAutofit/>
+          </a:bodyPr>
+          <a:lstStyle/>
+          <a:p>
+            <a:pPr algn="ctr"/>
+            <a:r>
+              <a:rPr lang="en-US" sz="4000" spc="-300" dirty="0">
+                <a:latin typeface="Lucida Console" panose="020B0609040504020204" pitchFamily="49" charset="0"/>
+              </a:rPr>
+              <a:t>Implications</a:t>
+            </a:r>
+            <a:br>
+              <a:rPr lang="en-US" sz="4000" spc="-300" dirty="0">
+                <a:latin typeface="Lucida Console" panose="020B0609040504020204" pitchFamily="49" charset="0"/>
+              </a:rPr>
+            </a:br>
+            <a:endParaRPr lang="en-US" sz="4000" spc="-300" dirty="0">
+              <a:latin typeface="Lucida Console" panose="020B0609040504020204" pitchFamily="49" charset="0"/>
+            </a:endParaRPr>
+          </a:p>
+        </p:txBody>
+      </p:sp>
       <p:pic>
         <p:nvPicPr>
-          <p:cNvPr id="5128" name="Picture 8" descr="http://nytaxivoice.com/image/cache/data/articles/TLC_LOGO-500x300.jpg"/>
+          <p:cNvPr id="4" name="Picture 3"/>
           <p:cNvPicPr>
-            <a:picLocks noChangeAspect="1" noChangeArrowheads="1"/>
+            <a:picLocks noChangeAspect="1"/>
           </p:cNvPicPr>
           <p:nvPr/>
         </p:nvPicPr>
@@ -4855,36 +5823,25 @@
               </a:ext>
             </a:extLst>
           </a:blip>
-          <a:srcRect/>
           <a:stretch>
             <a:fillRect/>
           </a:stretch>
         </p:blipFill>
-        <p:spPr bwMode="auto">
+        <p:spPr>
           <a:xfrm>
-            <a:off x="5218894" y="1264486"/>
-            <a:ext cx="3515673" cy="2109403"/>
+            <a:off x="628650" y="1806734"/>
+            <a:ext cx="3491346" cy="1920240"/>
           </a:xfrm>
           <a:prstGeom prst="rect">
             <a:avLst/>
           </a:prstGeom>
-          <a:noFill/>
-          <a:extLst>
-            <a:ext uri="{909E8E84-426E-40DD-AFC4-6F175D3DCCD1}">
-              <a14:hiddenFill xmlns:a14="http://schemas.microsoft.com/office/drawing/2010/main">
-                <a:solidFill>
-                  <a:srgbClr val="FFFFFF"/>
-                </a:solidFill>
-              </a14:hiddenFill>
-            </a:ext>
-          </a:extLst>
         </p:spPr>
       </p:pic>
       <p:pic>
         <p:nvPicPr>
-          <p:cNvPr id="5130" name="Picture 10" descr="https://upload.wikimedia.org/wikipedia/commons/thumb/3/3c/MTA_NYC_logo.svg/1000px-MTA_NYC_logo.svg.png"/>
+          <p:cNvPr id="6" name="Picture 5"/>
           <p:cNvPicPr>
-            <a:picLocks noChangeAspect="1" noChangeArrowheads="1"/>
+            <a:picLocks noChangeAspect="1"/>
           </p:cNvPicPr>
           <p:nvPr/>
         </p:nvPicPr>
@@ -4896,71 +5853,20 @@
               </a:ext>
             </a:extLst>
           </a:blip>
-          <a:srcRect/>
           <a:stretch>
             <a:fillRect/>
           </a:stretch>
         </p:blipFill>
-        <p:spPr bwMode="auto">
+        <p:spPr>
           <a:xfrm>
-            <a:off x="3200400" y="3508825"/>
-            <a:ext cx="2743200" cy="2743200"/>
+            <a:off x="5003806" y="1698626"/>
+            <a:ext cx="3511544" cy="2103120"/>
           </a:xfrm>
           <a:prstGeom prst="rect">
             <a:avLst/>
           </a:prstGeom>
-          <a:noFill/>
-          <a:extLst>
-            <a:ext uri="{909E8E84-426E-40DD-AFC4-6F175D3DCCD1}">
-              <a14:hiddenFill xmlns:a14="http://schemas.microsoft.com/office/drawing/2010/main">
-                <a:solidFill>
-                  <a:srgbClr val="FFFFFF"/>
-                </a:solidFill>
-              </a14:hiddenFill>
-            </a:ext>
-          </a:extLst>
         </p:spPr>
       </p:pic>
-      <p:sp>
-        <p:nvSpPr>
-          <p:cNvPr id="10" name="Title 4"/>
-          <p:cNvSpPr>
-            <a:spLocks noGrp="1"/>
-          </p:cNvSpPr>
-          <p:nvPr>
-            <p:ph type="title"/>
-          </p:nvPr>
-        </p:nvSpPr>
-        <p:spPr>
-          <a:xfrm>
-            <a:off x="628650" y="365126"/>
-            <a:ext cx="7886700" cy="1325563"/>
-          </a:xfrm>
-        </p:spPr>
-        <p:txBody>
-          <a:bodyPr>
-            <a:normAutofit/>
-          </a:bodyPr>
-          <a:lstStyle/>
-          <a:p>
-            <a:pPr algn="ctr"/>
-            <a:r>
-              <a:rPr lang="en-US" sz="4000" spc="-300" dirty="0">
-                <a:latin typeface="Lucida Console" panose="020B0609040504020204" pitchFamily="49" charset="0"/>
-              </a:rPr>
-              <a:t>Implications</a:t>
-            </a:r>
-            <a:br>
-              <a:rPr lang="en-US" sz="4000" spc="-300" dirty="0">
-                <a:latin typeface="Lucida Console" panose="020B0609040504020204" pitchFamily="49" charset="0"/>
-              </a:rPr>
-            </a:br>
-            <a:endParaRPr lang="en-US" sz="4000" spc="-300" dirty="0">
-              <a:latin typeface="Lucida Console" panose="020B0609040504020204" pitchFamily="49" charset="0"/>
-            </a:endParaRPr>
-          </a:p>
-        </p:txBody>
-      </p:sp>
     </p:spTree>
     <p:extLst>
       <p:ext uri="{BB962C8B-B14F-4D97-AF65-F5344CB8AC3E}">
@@ -4971,6 +5877,13 @@
   <p:clrMapOvr>
     <a:masterClrMapping/>
   </p:clrMapOvr>
+  <p:timing>
+    <p:tnLst>
+      <p:par>
+        <p:cTn id="1" dur="indefinite" restart="never" nodeType="tmRoot"/>
+      </p:par>
+    </p:tnLst>
+  </p:timing>
 </p:sld>
 </file>
 
@@ -5026,7 +5939,7 @@
       </p:sp>
       <p:pic>
         <p:nvPicPr>
-          <p:cNvPr id="5122" name="Picture 2" descr="http://touchgraphics.com/wordpress/wp-content/uploads/2014/10/NYCDOT.svg_1.png"/>
+          <p:cNvPr id="5130" name="Picture 10" descr="https://upload.wikimedia.org/wikipedia/commons/thumb/3/3c/MTA_NYC_logo.svg/1000px-MTA_NYC_logo.svg.png"/>
           <p:cNvPicPr>
             <a:picLocks noChangeAspect="1" noChangeArrowheads="1"/>
           </p:cNvPicPr>
@@ -5047,8 +5960,8 @@
         </p:blipFill>
         <p:spPr bwMode="auto">
           <a:xfrm>
-            <a:off x="348018" y="652191"/>
-            <a:ext cx="3458475" cy="3458475"/>
+            <a:off x="3520440" y="4001294"/>
+            <a:ext cx="2103120" cy="2103120"/>
           </a:xfrm>
           <a:prstGeom prst="rect">
             <a:avLst/>
@@ -5065,11 +5978,51 @@
           </a:extLst>
         </p:spPr>
       </p:pic>
+      <p:sp>
+        <p:nvSpPr>
+          <p:cNvPr id="10" name="Title 4"/>
+          <p:cNvSpPr>
+            <a:spLocks noGrp="1"/>
+          </p:cNvSpPr>
+          <p:nvPr>
+            <p:ph type="title"/>
+          </p:nvPr>
+        </p:nvSpPr>
+        <p:spPr>
+          <a:xfrm>
+            <a:off x="628650" y="365126"/>
+            <a:ext cx="7886700" cy="1325563"/>
+          </a:xfrm>
+        </p:spPr>
+        <p:txBody>
+          <a:bodyPr>
+            <a:normAutofit/>
+          </a:bodyPr>
+          <a:lstStyle/>
+          <a:p>
+            <a:pPr algn="ctr"/>
+            <a:r>
+              <a:rPr lang="en-US" sz="4000" spc="-300" dirty="0" smtClean="0">
+                <a:latin typeface="Lucida Console" panose="020B0609040504020204" pitchFamily="49" charset="0"/>
+              </a:rPr>
+              <a:t>Future Work</a:t>
+            </a:r>
+            <a:br>
+              <a:rPr lang="en-US" sz="4000" spc="-300" dirty="0" smtClean="0">
+                <a:latin typeface="Lucida Console" panose="020B0609040504020204" pitchFamily="49" charset="0"/>
+              </a:rPr>
+            </a:br>
+            <a:endParaRPr lang="en-US" sz="4000" spc="-300" dirty="0">
+              <a:latin typeface="Lucida Console" panose="020B0609040504020204" pitchFamily="49" charset="0"/>
+            </a:endParaRPr>
+          </a:p>
+        </p:txBody>
+      </p:sp>
       <p:pic>
         <p:nvPicPr>
-          <p:cNvPr id="5128" name="Picture 8" descr="http://nytaxivoice.com/image/cache/data/articles/TLC_LOGO-500x300.jpg"/>
+          <p:cNvPr id="4" name="Picture 3"/>
           <p:cNvPicPr>
-            <a:picLocks noChangeAspect="1" noChangeArrowheads="1"/>
+            <a:picLocks noChangeAspect="1"/>
           </p:cNvPicPr>
           <p:nvPr/>
         </p:nvPicPr>
@@ -5081,36 +6034,25 @@
               </a:ext>
             </a:extLst>
           </a:blip>
-          <a:srcRect/>
           <a:stretch>
             <a:fillRect/>
           </a:stretch>
         </p:blipFill>
-        <p:spPr bwMode="auto">
+        <p:spPr>
           <a:xfrm>
-            <a:off x="5218894" y="1264486"/>
-            <a:ext cx="3515673" cy="2109403"/>
+            <a:off x="628650" y="1806734"/>
+            <a:ext cx="3491346" cy="1920240"/>
           </a:xfrm>
           <a:prstGeom prst="rect">
             <a:avLst/>
           </a:prstGeom>
-          <a:noFill/>
-          <a:extLst>
-            <a:ext uri="{909E8E84-426E-40DD-AFC4-6F175D3DCCD1}">
-              <a14:hiddenFill xmlns:a14="http://schemas.microsoft.com/office/drawing/2010/main">
-                <a:solidFill>
-                  <a:srgbClr val="FFFFFF"/>
-                </a:solidFill>
-              </a14:hiddenFill>
-            </a:ext>
-          </a:extLst>
         </p:spPr>
       </p:pic>
       <p:pic>
         <p:nvPicPr>
-          <p:cNvPr id="5130" name="Picture 10" descr="https://upload.wikimedia.org/wikipedia/commons/thumb/3/3c/MTA_NYC_logo.svg/1000px-MTA_NYC_logo.svg.png"/>
+          <p:cNvPr id="6" name="Picture 5"/>
           <p:cNvPicPr>
-            <a:picLocks noChangeAspect="1" noChangeArrowheads="1"/>
+            <a:picLocks noChangeAspect="1"/>
           </p:cNvPicPr>
           <p:nvPr/>
         </p:nvPicPr>
@@ -5122,81 +6064,37 @@
               </a:ext>
             </a:extLst>
           </a:blip>
-          <a:srcRect/>
           <a:stretch>
             <a:fillRect/>
           </a:stretch>
         </p:blipFill>
-        <p:spPr bwMode="auto">
+        <p:spPr>
           <a:xfrm>
-            <a:off x="3200400" y="3508825"/>
-            <a:ext cx="2743200" cy="2743200"/>
+            <a:off x="5003806" y="1698626"/>
+            <a:ext cx="3511544" cy="2103120"/>
           </a:xfrm>
           <a:prstGeom prst="rect">
             <a:avLst/>
           </a:prstGeom>
-          <a:noFill/>
-          <a:extLst>
-            <a:ext uri="{909E8E84-426E-40DD-AFC4-6F175D3DCCD1}">
-              <a14:hiddenFill xmlns:a14="http://schemas.microsoft.com/office/drawing/2010/main">
-                <a:solidFill>
-                  <a:srgbClr val="FFFFFF"/>
-                </a:solidFill>
-              </a14:hiddenFill>
-            </a:ext>
-          </a:extLst>
         </p:spPr>
       </p:pic>
-      <p:sp>
-        <p:nvSpPr>
-          <p:cNvPr id="10" name="Title 4"/>
-          <p:cNvSpPr>
-            <a:spLocks noGrp="1"/>
-          </p:cNvSpPr>
-          <p:nvPr>
-            <p:ph type="title"/>
-          </p:nvPr>
-        </p:nvSpPr>
-        <p:spPr>
-          <a:xfrm>
-            <a:off x="628650" y="365126"/>
-            <a:ext cx="7886700" cy="1325563"/>
-          </a:xfrm>
-        </p:spPr>
-        <p:txBody>
-          <a:bodyPr>
-            <a:normAutofit/>
-          </a:bodyPr>
-          <a:lstStyle/>
-          <a:p>
-            <a:pPr algn="ctr"/>
-            <a:r>
-              <a:rPr lang="en-US" sz="4000" spc="-300" dirty="0">
-                <a:latin typeface="Lucida Console" panose="020B0609040504020204" pitchFamily="49" charset="0"/>
-              </a:rPr>
-              <a:t>Future Work</a:t>
-            </a:r>
-            <a:br>
-              <a:rPr lang="en-US" sz="4000" spc="-300" dirty="0">
-                <a:latin typeface="Lucida Console" panose="020B0609040504020204" pitchFamily="49" charset="0"/>
-              </a:rPr>
-            </a:br>
-            <a:endParaRPr lang="en-US" sz="4000" spc="-300" dirty="0">
-              <a:latin typeface="Lucida Console" panose="020B0609040504020204" pitchFamily="49" charset="0"/>
-            </a:endParaRPr>
-          </a:p>
-        </p:txBody>
-      </p:sp>
     </p:spTree>
     <p:extLst>
       <p:ext uri="{BB962C8B-B14F-4D97-AF65-F5344CB8AC3E}">
-        <p14:creationId xmlns:p14="http://schemas.microsoft.com/office/powerpoint/2010/main" val="739893052"/>
+        <p14:creationId xmlns:p14="http://schemas.microsoft.com/office/powerpoint/2010/main" val="4126765746"/>
       </p:ext>
     </p:extLst>
   </p:cSld>
   <p:clrMapOvr>
     <a:masterClrMapping/>
   </p:clrMapOvr>
+  <p:timing>
+    <p:tnLst>
+      <p:par>
+        <p:cTn id="1" dur="indefinite" restart="never" nodeType="tmRoot"/>
+      </p:par>
+    </p:tnLst>
+  </p:timing>
 </p:sld>
 </file>
 
@@ -5270,6 +6168,13 @@
   <p:clrMapOvr>
     <a:masterClrMapping/>
   </p:clrMapOvr>
+  <p:timing>
+    <p:tnLst>
+      <p:par>
+        <p:cTn id="1" dur="indefinite" restart="never" nodeType="tmRoot"/>
+      </p:par>
+    </p:tnLst>
+  </p:timing>
 </p:sld>
 </file>
 
@@ -5420,6 +6325,13 @@
   <p:clrMapOvr>
     <a:masterClrMapping/>
   </p:clrMapOvr>
+  <p:timing>
+    <p:tnLst>
+      <p:par>
+        <p:cTn id="1" dur="indefinite" restart="never" nodeType="tmRoot"/>
+      </p:par>
+    </p:tnLst>
+  </p:timing>
 </p:sld>
 </file>
 
@@ -5487,7 +6399,7 @@
           <p:nvPr/>
         </p:nvPicPr>
         <p:blipFill>
-          <a:blip r:embed="rId2">
+          <a:blip r:embed="rId3">
             <a:extLst>
               <a:ext uri="{28A0092B-C50C-407E-A947-70E740481C1C}">
                 <a14:useLocalDpi xmlns:a14="http://schemas.microsoft.com/office/drawing/2010/main" val="0"/>
@@ -5529,6 +6441,13 @@
   <p:clrMapOvr>
     <a:masterClrMapping/>
   </p:clrMapOvr>
+  <p:timing>
+    <p:tnLst>
+      <p:par>
+        <p:cTn id="1" dur="indefinite" restart="never" nodeType="tmRoot"/>
+      </p:par>
+    </p:tnLst>
+  </p:timing>
 </p:sld>
 </file>
 
@@ -5591,6 +6510,13 @@
   <p:clrMapOvr>
     <a:masterClrMapping/>
   </p:clrMapOvr>
+  <p:timing>
+    <p:tnLst>
+      <p:par>
+        <p:cTn id="1" dur="indefinite" restart="never" nodeType="tmRoot"/>
+      </p:par>
+    </p:tnLst>
+  </p:timing>
 </p:sld>
 </file>
 
@@ -5653,6 +6579,13 @@
   <p:clrMapOvr>
     <a:masterClrMapping/>
   </p:clrMapOvr>
+  <p:timing>
+    <p:tnLst>
+      <p:par>
+        <p:cTn id="1" dur="indefinite" restart="never" nodeType="tmRoot"/>
+      </p:par>
+    </p:tnLst>
+  </p:timing>
 </p:sld>
 </file>
 
@@ -5683,6 +6616,75 @@
             <p:ph type="title"/>
           </p:nvPr>
         </p:nvSpPr>
+        <p:spPr>
+          <a:xfrm>
+            <a:off x="68239" y="2931914"/>
+            <a:ext cx="9007522" cy="994172"/>
+          </a:xfrm>
+        </p:spPr>
+        <p:txBody>
+          <a:bodyPr>
+            <a:normAutofit fontScale="90000"/>
+          </a:bodyPr>
+          <a:lstStyle/>
+          <a:p>
+            <a:pPr algn="ctr"/>
+            <a:r>
+              <a:rPr lang="en-US" spc="-300" dirty="0">
+                <a:latin typeface="Lucida Console" panose="020B0609040504020204" pitchFamily="49" charset="0"/>
+              </a:rPr>
+              <a:t>Why do people take dollar vans?</a:t>
+            </a:r>
+          </a:p>
+        </p:txBody>
+      </p:sp>
+    </p:spTree>
+    <p:extLst>
+      <p:ext uri="{BB962C8B-B14F-4D97-AF65-F5344CB8AC3E}">
+        <p14:creationId xmlns:p14="http://schemas.microsoft.com/office/powerpoint/2010/main" val="513972906"/>
+      </p:ext>
+    </p:extLst>
+  </p:cSld>
+  <p:clrMapOvr>
+    <a:masterClrMapping/>
+  </p:clrMapOvr>
+  <p:timing>
+    <p:tnLst>
+      <p:par>
+        <p:cTn id="1" dur="indefinite" restart="never" nodeType="tmRoot"/>
+      </p:par>
+    </p:tnLst>
+  </p:timing>
+</p:sld>
+</file>
+
+<file path=ppt/slides/slide6.xml><?xml version="1.0" encoding="utf-8"?>
+<p:sld xmlns:a="http://schemas.openxmlformats.org/drawingml/2006/main" xmlns:r="http://schemas.openxmlformats.org/officeDocument/2006/relationships" xmlns:p="http://schemas.openxmlformats.org/presentationml/2006/main">
+  <p:cSld>
+    <p:spTree>
+      <p:nvGrpSpPr>
+        <p:cNvPr id="1" name=""/>
+        <p:cNvGrpSpPr/>
+        <p:nvPr/>
+      </p:nvGrpSpPr>
+      <p:grpSpPr>
+        <a:xfrm>
+          <a:off x="0" y="0"/>
+          <a:ext cx="0" cy="0"/>
+          <a:chOff x="0" y="0"/>
+          <a:chExt cx="0" cy="0"/>
+        </a:xfrm>
+      </p:grpSpPr>
+      <p:sp>
+        <p:nvSpPr>
+          <p:cNvPr id="2" name="Title 1"/>
+          <p:cNvSpPr>
+            <a:spLocks noGrp="1"/>
+          </p:cNvSpPr>
+          <p:nvPr>
+            <p:ph type="title"/>
+          </p:nvPr>
+        </p:nvSpPr>
         <p:spPr/>
         <p:txBody>
           <a:bodyPr/>
@@ -5732,7 +6734,7 @@
           <p:nvPr/>
         </p:nvPicPr>
         <p:blipFill>
-          <a:blip r:embed="rId2">
+          <a:blip r:embed="rId3">
             <a:extLst>
               <a:ext uri="{28A0092B-C50C-407E-A947-70E740481C1C}">
                 <a14:useLocalDpi xmlns:a14="http://schemas.microsoft.com/office/drawing/2010/main" val="0"/>
@@ -5774,68 +6776,13 @@
   <p:clrMapOvr>
     <a:masterClrMapping/>
   </p:clrMapOvr>
-</p:sld>
-</file>
-
-<file path=ppt/slides/slide6.xml><?xml version="1.0" encoding="utf-8"?>
-<p:sld xmlns:a="http://schemas.openxmlformats.org/drawingml/2006/main" xmlns:r="http://schemas.openxmlformats.org/officeDocument/2006/relationships" xmlns:p="http://schemas.openxmlformats.org/presentationml/2006/main">
-  <p:cSld>
-    <p:spTree>
-      <p:nvGrpSpPr>
-        <p:cNvPr id="1" name=""/>
-        <p:cNvGrpSpPr/>
-        <p:nvPr/>
-      </p:nvGrpSpPr>
-      <p:grpSpPr>
-        <a:xfrm>
-          <a:off x="0" y="0"/>
-          <a:ext cx="0" cy="0"/>
-          <a:chOff x="0" y="0"/>
-          <a:chExt cx="0" cy="0"/>
-        </a:xfrm>
-      </p:grpSpPr>
-      <p:sp>
-        <p:nvSpPr>
-          <p:cNvPr id="2" name="Title 1"/>
-          <p:cNvSpPr>
-            <a:spLocks noGrp="1"/>
-          </p:cNvSpPr>
-          <p:nvPr>
-            <p:ph type="title"/>
-          </p:nvPr>
-        </p:nvSpPr>
-        <p:spPr>
-          <a:xfrm>
-            <a:off x="68239" y="2931914"/>
-            <a:ext cx="9007522" cy="994172"/>
-          </a:xfrm>
-        </p:spPr>
-        <p:txBody>
-          <a:bodyPr>
-            <a:normAutofit fontScale="90000"/>
-          </a:bodyPr>
-          <a:lstStyle/>
-          <a:p>
-            <a:pPr algn="ctr"/>
-            <a:r>
-              <a:rPr lang="en-US" spc="-300" dirty="0">
-                <a:latin typeface="Lucida Console" panose="020B0609040504020204" pitchFamily="49" charset="0"/>
-              </a:rPr>
-              <a:t>Why do people take dollar vans?</a:t>
-            </a:r>
-          </a:p>
-        </p:txBody>
-      </p:sp>
-    </p:spTree>
-    <p:extLst>
-      <p:ext uri="{BB962C8B-B14F-4D97-AF65-F5344CB8AC3E}">
-        <p14:creationId xmlns:p14="http://schemas.microsoft.com/office/powerpoint/2010/main" val="513972906"/>
-      </p:ext>
-    </p:extLst>
-  </p:cSld>
-  <p:clrMapOvr>
-    <a:masterClrMapping/>
-  </p:clrMapOvr>
+  <p:timing>
+    <p:tnLst>
+      <p:par>
+        <p:cTn id="1" dur="indefinite" restart="never" nodeType="tmRoot"/>
+      </p:par>
+    </p:tnLst>
+  </p:timing>
 </p:sld>
 </file>
 
@@ -5909,6 +6856,13 @@
   <p:clrMapOvr>
     <a:masterClrMapping/>
   </p:clrMapOvr>
+  <p:timing>
+    <p:tnLst>
+      <p:par>
+        <p:cTn id="1" dur="indefinite" restart="never" nodeType="tmRoot"/>
+      </p:par>
+    </p:tnLst>
+  </p:timing>
 </p:sld>
 </file>
 
@@ -5951,28 +6905,36 @@
           </a:p>
         </p:txBody>
       </p:sp>
-      <p:sp>
-        <p:nvSpPr>
-          <p:cNvPr id="3" name="Content Placeholder 2"/>
-          <p:cNvSpPr>
-            <a:spLocks noGrp="1"/>
-          </p:cNvSpPr>
-          <p:nvPr>
-            <p:ph idx="1"/>
-          </p:nvPr>
-        </p:nvSpPr>
-        <p:spPr/>
-        <p:txBody>
-          <a:bodyPr/>
-          <a:lstStyle/>
-          <a:p>
-            <a:r>
-              <a:rPr lang="en-US" dirty="0"/>
-              <a:t>ADD ORIGINS AND DESTINATIONS MAP HERE</a:t>
-            </a:r>
-          </a:p>
-        </p:txBody>
-      </p:sp>
+      <p:pic>
+        <p:nvPicPr>
+          <p:cNvPr id="3" name="Picture 2"/>
+          <p:cNvPicPr>
+            <a:picLocks noChangeAspect="1"/>
+          </p:cNvPicPr>
+          <p:nvPr/>
+        </p:nvPicPr>
+        <p:blipFill>
+          <a:blip r:embed="rId3">
+            <a:extLst>
+              <a:ext uri="{28A0092B-C50C-407E-A947-70E740481C1C}">
+                <a14:useLocalDpi xmlns:a14="http://schemas.microsoft.com/office/drawing/2010/main" val="0"/>
+              </a:ext>
+            </a:extLst>
+          </a:blip>
+          <a:stretch>
+            <a:fillRect/>
+          </a:stretch>
+        </p:blipFill>
+        <p:spPr>
+          <a:xfrm>
+            <a:off x="0" y="0"/>
+            <a:ext cx="9144000" cy="6858000"/>
+          </a:xfrm>
+          <a:prstGeom prst="rect">
+            <a:avLst/>
+          </a:prstGeom>
+        </p:spPr>
+      </p:pic>
     </p:spTree>
     <p:extLst>
       <p:ext uri="{BB962C8B-B14F-4D97-AF65-F5344CB8AC3E}">
@@ -5983,6 +6945,13 @@
   <p:clrMapOvr>
     <a:masterClrMapping/>
   </p:clrMapOvr>
+  <p:timing>
+    <p:tnLst>
+      <p:par>
+        <p:cTn id="1" dur="indefinite" restart="never" nodeType="tmRoot"/>
+      </p:par>
+    </p:tnLst>
+  </p:timing>
 </p:sld>
 </file>
 
@@ -6074,6 +7043,13 @@
   <p:clrMapOvr>
     <a:masterClrMapping/>
   </p:clrMapOvr>
+  <p:timing>
+    <p:tnLst>
+      <p:par>
+        <p:cTn id="1" dur="indefinite" restart="never" nodeType="tmRoot"/>
+      </p:par>
+    </p:tnLst>
+  </p:timing>
 </p:sld>
 </file>
 
